--- a/Handouts/A10_Handout.pptx
+++ b/Handouts/A10_Handout.pptx
@@ -104,6 +104,11 @@
       </a:defRPr>
     </a:lvl9pPr>
   </p:defaultTextStyle>
+  <p:extLst>
+    <p:ext uri="{EFAFB233-063F-42B5-8137-9DF3F51BA10A}">
+      <p15:sldGuideLst xmlns:p15="http://schemas.microsoft.com/office/powerpoint/2012/main"/>
+    </p:ext>
+  </p:extLst>
 </p:presentation>
 </file>
 
@@ -3445,7 +3450,7 @@
         <p:spPr>
           <a:xfrm>
             <a:off x="657224" y="4831139"/>
-            <a:ext cx="8246157" cy="923330"/>
+            <a:ext cx="8246157" cy="1477328"/>
           </a:xfrm>
           <a:prstGeom prst="rect">
             <a:avLst/>
@@ -3464,7 +3469,32 @@
             </a:r>
           </a:p>
           <a:p>
-            <a:endParaRPr lang="de-DE" dirty="0"/>
+            <a:br>
+              <a:rPr lang="de-DE" dirty="0"/>
+            </a:br>
+            <a:br>
+              <a:rPr lang="de-DE" dirty="0"/>
+            </a:br>
+            <a:r>
+              <a:rPr lang="de-DE" dirty="0"/>
+              <a:t>Laufzeit: O (|</a:t>
+            </a:r>
+            <a:r>
+              <a:rPr lang="de-DE" dirty="0" err="1"/>
+              <a:t>verteces</a:t>
+            </a:r>
+            <a:r>
+              <a:rPr lang="de-DE" dirty="0"/>
+              <a:t>| + |</a:t>
+            </a:r>
+            <a:r>
+              <a:rPr lang="de-DE" dirty="0" err="1"/>
+              <a:t>edges</a:t>
+            </a:r>
+            <a:r>
+              <a:rPr lang="de-DE" dirty="0"/>
+              <a:t>|)</a:t>
+            </a:r>
           </a:p>
         </p:txBody>
       </p:sp>
